--- a/Lab3/Presentation3.pptx
+++ b/Lab3/Presentation3.pptx
@@ -353,7 +353,7 @@
           <a:p>
             <a:fld id="{4BDF68E2-58F2-4D09-BE8B-E3BD06533059}" type="datetimeFigureOut">
               <a:rPr lang="en-US" dirty="0"/>
-              <a:t>12/5/2016</a:t>
+              <a:t>12/12/2016</a:t>
             </a:fld>
             <a:endParaRPr lang="en-US" dirty="0"/>
           </a:p>
@@ -556,7 +556,7 @@
           <a:p>
             <a:fld id="{2E2D6473-DF6D-4702-B328-E0DD40540A4E}" type="datetimeFigureOut">
               <a:rPr lang="en-US" dirty="0"/>
-              <a:t>12/5/2016</a:t>
+              <a:t>12/12/2016</a:t>
             </a:fld>
             <a:endParaRPr lang="en-US" dirty="0"/>
           </a:p>
@@ -807,7 +807,7 @@
           <a:p>
             <a:fld id="{E26F7E3A-B166-407D-9866-32884E7D5B37}" type="datetimeFigureOut">
               <a:rPr lang="en-US" dirty="0"/>
-              <a:t>12/5/2016</a:t>
+              <a:t>12/12/2016</a:t>
             </a:fld>
             <a:endParaRPr lang="en-US" dirty="0"/>
           </a:p>
@@ -976,7 +976,7 @@
           <a:p>
             <a:fld id="{528FC5F6-F338-4AE4-BB23-26385BCFC423}" type="datetimeFigureOut">
               <a:rPr lang="en-US" dirty="0"/>
-              <a:t>12/5/2016</a:t>
+              <a:t>12/12/2016</a:t>
             </a:fld>
             <a:endParaRPr lang="en-US" dirty="0"/>
           </a:p>
@@ -1314,7 +1314,7 @@
           <a:p>
             <a:fld id="{20EBB0C4-6273-4C6E-B9BD-2EDC30F1CD52}" type="datetimeFigureOut">
               <a:rPr lang="en-US" dirty="0"/>
-              <a:t>12/5/2016</a:t>
+              <a:t>12/12/2016</a:t>
             </a:fld>
             <a:endParaRPr lang="en-US" dirty="0"/>
           </a:p>
@@ -1584,7 +1584,7 @@
           <a:p>
             <a:fld id="{19AB4D41-86C1-4908-B66A-0B50CEB3BF29}" type="datetimeFigureOut">
               <a:rPr lang="en-US" dirty="0"/>
-              <a:t>12/5/2016</a:t>
+              <a:t>12/12/2016</a:t>
             </a:fld>
             <a:endParaRPr lang="en-US" dirty="0"/>
           </a:p>
@@ -1958,7 +1958,7 @@
           <a:p>
             <a:fld id="{E6426E2C-56C1-4E0D-A793-0088A7FDD37E}" type="datetimeFigureOut">
               <a:rPr lang="en-US" dirty="0"/>
-              <a:t>12/5/2016</a:t>
+              <a:t>12/12/2016</a:t>
             </a:fld>
             <a:endParaRPr lang="en-US" dirty="0"/>
           </a:p>
@@ -2071,7 +2071,7 @@
           <a:p>
             <a:fld id="{C8C39B41-D8B5-4052-B551-9B5525EAA8B6}" type="datetimeFigureOut">
               <a:rPr lang="en-US" dirty="0"/>
-              <a:t>12/5/2016</a:t>
+              <a:t>12/12/2016</a:t>
             </a:fld>
             <a:endParaRPr lang="en-US" dirty="0"/>
           </a:p>
@@ -2237,7 +2237,7 @@
           <a:p>
             <a:fld id="{4D94136C-8742-45B2-AF27-D93DF72833A9}" type="datetimeFigureOut">
               <a:rPr lang="en-US" dirty="0"/>
-              <a:t>12/5/2016</a:t>
+              <a:t>12/12/2016</a:t>
             </a:fld>
             <a:endParaRPr lang="en-US" dirty="0"/>
           </a:p>
@@ -2587,7 +2587,7 @@
           <a:p>
             <a:fld id="{32ABBEA6-7C60-4B02-AE87-00D78D8422AF}" type="datetimeFigureOut">
               <a:rPr lang="en-US" dirty="0"/>
-              <a:t>12/5/2016</a:t>
+              <a:t>12/12/2016</a:t>
             </a:fld>
             <a:endParaRPr lang="en-US" dirty="0"/>
           </a:p>
@@ -2965,7 +2965,7 @@
           <a:p>
             <a:fld id="{C9CAD897-D46E-4AD2-BD9B-49DD3E640873}" type="datetimeFigureOut">
               <a:rPr lang="en-US" dirty="0"/>
-              <a:t>12/5/2016</a:t>
+              <a:t>12/12/2016</a:t>
             </a:fld>
             <a:endParaRPr lang="en-US" dirty="0"/>
           </a:p>
@@ -3247,7 +3247,7 @@
           <a:p>
             <a:fld id="{98624D31-43A5-475A-80CF-332C9F6DCF35}" type="datetimeFigureOut">
               <a:rPr lang="en-US" dirty="0"/>
-              <a:t>12/5/2016</a:t>
+              <a:t>12/12/2016</a:t>
             </a:fld>
             <a:endParaRPr lang="en-US" dirty="0"/>
           </a:p>
@@ -4166,15 +4166,6 @@
               <a:rPr lang="en-GB" sz="2400" dirty="0"/>
               <a:t>PM’s: 180</a:t>
             </a:r>
-            <a:endParaRPr lang="en-GB" sz="2400" dirty="0"/>
-          </a:p>
-          <a:p>
-            <a:r>
-              <a:rPr lang="en-GB" sz="3200" dirty="0"/>
-              <a:t>Number of failures per round:</a:t>
-            </a:r>
-          </a:p>
-          <a:p>
             <a:endParaRPr lang="en-GB" sz="3200" dirty="0"/>
           </a:p>
         </p:txBody>
@@ -4226,16 +4217,163 @@
           <a:p>
             <a:r>
               <a:rPr lang="en-US" dirty="0"/>
-              <a:t>Result for longer simulation </a:t>
-            </a:r>
-            <a:r>
-              <a:rPr lang="en-US" sz="2800" dirty="0"/>
-              <a:t>(couple of hours)</a:t>
-            </a:r>
-            <a:endParaRPr lang="en-US" dirty="0"/>
-          </a:p>
-        </p:txBody>
-      </p:sp>
+              <a:t>Results of short and long simulation </a:t>
+            </a:r>
+          </a:p>
+        </p:txBody>
+      </p:sp>
+      <p:pic>
+        <p:nvPicPr>
+          <p:cNvPr id="3" name="Grafik 2"/>
+          <p:cNvPicPr>
+            <a:picLocks noChangeAspect="1"/>
+          </p:cNvPicPr>
+          <p:nvPr/>
+        </p:nvPicPr>
+        <p:blipFill>
+          <a:blip r:embed="rId2"/>
+          <a:stretch>
+            <a:fillRect/>
+          </a:stretch>
+        </p:blipFill>
+        <p:spPr>
+          <a:xfrm>
+            <a:off x="1409458" y="2959339"/>
+            <a:ext cx="3124361" cy="2121009"/>
+          </a:xfrm>
+          <a:prstGeom prst="rect">
+            <a:avLst/>
+          </a:prstGeom>
+        </p:spPr>
+      </p:pic>
+      <p:pic>
+        <p:nvPicPr>
+          <p:cNvPr id="4" name="Grafik 3"/>
+          <p:cNvPicPr>
+            <a:picLocks noChangeAspect="1"/>
+          </p:cNvPicPr>
+          <p:nvPr/>
+        </p:nvPicPr>
+        <p:blipFill>
+          <a:blip r:embed="rId3"/>
+          <a:stretch>
+            <a:fillRect/>
+          </a:stretch>
+        </p:blipFill>
+        <p:spPr>
+          <a:xfrm>
+            <a:off x="6424843" y="2959339"/>
+            <a:ext cx="3543482" cy="2235315"/>
+          </a:xfrm>
+          <a:prstGeom prst="rect">
+            <a:avLst/>
+          </a:prstGeom>
+        </p:spPr>
+      </p:pic>
+      <p:sp>
+        <p:nvSpPr>
+          <p:cNvPr id="5" name="Textfeld 4"/>
+          <p:cNvSpPr txBox="1"/>
+          <p:nvPr/>
+        </p:nvSpPr>
+        <p:spPr>
+          <a:xfrm>
+            <a:off x="1409458" y="2368495"/>
+            <a:ext cx="3124361" cy="646331"/>
+          </a:xfrm>
+          <a:prstGeom prst="rect">
+            <a:avLst/>
+          </a:prstGeom>
+          <a:noFill/>
+        </p:spPr>
+        <p:txBody>
+          <a:bodyPr wrap="square" rtlCol="0">
+            <a:spAutoFit/>
+          </a:bodyPr>
+          <a:lstStyle/>
+          <a:p>
+            <a:pPr algn="ctr"/>
+            <a:r>
+              <a:rPr lang="en-GB" dirty="0"/>
+              <a:t>Not optimized</a:t>
+            </a:r>
+          </a:p>
+          <a:p>
+            <a:pPr algn="ctr"/>
+            <a:r>
+              <a:rPr lang="en-GB" dirty="0"/>
+              <a:t>short simulation</a:t>
+            </a:r>
+          </a:p>
+        </p:txBody>
+      </p:sp>
+      <p:sp>
+        <p:nvSpPr>
+          <p:cNvPr id="6" name="Textfeld 5"/>
+          <p:cNvSpPr txBox="1"/>
+          <p:nvPr/>
+        </p:nvSpPr>
+        <p:spPr>
+          <a:xfrm>
+            <a:off x="6377599" y="2313008"/>
+            <a:ext cx="3590726" cy="646331"/>
+          </a:xfrm>
+          <a:prstGeom prst="rect">
+            <a:avLst/>
+          </a:prstGeom>
+          <a:noFill/>
+        </p:spPr>
+        <p:txBody>
+          <a:bodyPr wrap="square" rtlCol="0">
+            <a:spAutoFit/>
+          </a:bodyPr>
+          <a:lstStyle/>
+          <a:p>
+            <a:pPr algn="ctr"/>
+            <a:r>
+              <a:rPr lang="en-GB" dirty="0"/>
+              <a:t>Optimized energy consumption </a:t>
+            </a:r>
+          </a:p>
+          <a:p>
+            <a:pPr algn="ctr"/>
+            <a:r>
+              <a:rPr lang="en-GB" dirty="0"/>
+              <a:t>longer simulation (couple of hours)</a:t>
+            </a:r>
+          </a:p>
+        </p:txBody>
+      </p:sp>
+      <p:cxnSp>
+        <p:nvCxnSpPr>
+          <p:cNvPr id="8" name="Gerader Verbinder 7"/>
+          <p:cNvCxnSpPr/>
+          <p:nvPr/>
+        </p:nvCxnSpPr>
+        <p:spPr>
+          <a:xfrm>
+            <a:off x="5527343" y="2033516"/>
+            <a:ext cx="0" cy="3835021"/>
+          </a:xfrm>
+          <a:prstGeom prst="line">
+            <a:avLst/>
+          </a:prstGeom>
+        </p:spPr>
+        <p:style>
+          <a:lnRef idx="1">
+            <a:schemeClr val="accent1"/>
+          </a:lnRef>
+          <a:fillRef idx="0">
+            <a:schemeClr val="accent1"/>
+          </a:fillRef>
+          <a:effectRef idx="0">
+            <a:schemeClr val="accent1"/>
+          </a:effectRef>
+          <a:fontRef idx="minor">
+            <a:schemeClr val="tx1"/>
+          </a:fontRef>
+        </p:style>
+      </p:cxnSp>
     </p:spTree>
     <p:extLst>
       <p:ext uri="{BB962C8B-B14F-4D97-AF65-F5344CB8AC3E}">

--- a/Lab3/Presentation3.pptx
+++ b/Lab3/Presentation3.pptx
@@ -10,6 +10,7 @@
     <p:sldId id="257" r:id="rId4"/>
     <p:sldId id="259" r:id="rId5"/>
     <p:sldId id="258" r:id="rId6"/>
+    <p:sldId id="261" r:id="rId7"/>
   </p:sldIdLst>
   <p:sldSz cx="12192000" cy="6858000"/>
   <p:notesSz cx="6858000" cy="9144000"/>
@@ -353,7 +354,7 @@
           <a:p>
             <a:fld id="{4BDF68E2-58F2-4D09-BE8B-E3BD06533059}" type="datetimeFigureOut">
               <a:rPr lang="en-US" dirty="0"/>
-              <a:t>12/12/2016</a:t>
+              <a:t>12/14/2016</a:t>
             </a:fld>
             <a:endParaRPr lang="en-US" dirty="0"/>
           </a:p>
@@ -556,7 +557,7 @@
           <a:p>
             <a:fld id="{2E2D6473-DF6D-4702-B328-E0DD40540A4E}" type="datetimeFigureOut">
               <a:rPr lang="en-US" dirty="0"/>
-              <a:t>12/12/2016</a:t>
+              <a:t>12/14/2016</a:t>
             </a:fld>
             <a:endParaRPr lang="en-US" dirty="0"/>
           </a:p>
@@ -807,7 +808,7 @@
           <a:p>
             <a:fld id="{E26F7E3A-B166-407D-9866-32884E7D5B37}" type="datetimeFigureOut">
               <a:rPr lang="en-US" dirty="0"/>
-              <a:t>12/12/2016</a:t>
+              <a:t>12/14/2016</a:t>
             </a:fld>
             <a:endParaRPr lang="en-US" dirty="0"/>
           </a:p>
@@ -976,7 +977,7 @@
           <a:p>
             <a:fld id="{528FC5F6-F338-4AE4-BB23-26385BCFC423}" type="datetimeFigureOut">
               <a:rPr lang="en-US" dirty="0"/>
-              <a:t>12/12/2016</a:t>
+              <a:t>12/14/2016</a:t>
             </a:fld>
             <a:endParaRPr lang="en-US" dirty="0"/>
           </a:p>
@@ -1314,7 +1315,7 @@
           <a:p>
             <a:fld id="{20EBB0C4-6273-4C6E-B9BD-2EDC30F1CD52}" type="datetimeFigureOut">
               <a:rPr lang="en-US" dirty="0"/>
-              <a:t>12/12/2016</a:t>
+              <a:t>12/14/2016</a:t>
             </a:fld>
             <a:endParaRPr lang="en-US" dirty="0"/>
           </a:p>
@@ -1584,7 +1585,7 @@
           <a:p>
             <a:fld id="{19AB4D41-86C1-4908-B66A-0B50CEB3BF29}" type="datetimeFigureOut">
               <a:rPr lang="en-US" dirty="0"/>
-              <a:t>12/12/2016</a:t>
+              <a:t>12/14/2016</a:t>
             </a:fld>
             <a:endParaRPr lang="en-US" dirty="0"/>
           </a:p>
@@ -1958,7 +1959,7 @@
           <a:p>
             <a:fld id="{E6426E2C-56C1-4E0D-A793-0088A7FDD37E}" type="datetimeFigureOut">
               <a:rPr lang="en-US" dirty="0"/>
-              <a:t>12/12/2016</a:t>
+              <a:t>12/14/2016</a:t>
             </a:fld>
             <a:endParaRPr lang="en-US" dirty="0"/>
           </a:p>
@@ -2071,7 +2072,7 @@
           <a:p>
             <a:fld id="{C8C39B41-D8B5-4052-B551-9B5525EAA8B6}" type="datetimeFigureOut">
               <a:rPr lang="en-US" dirty="0"/>
-              <a:t>12/12/2016</a:t>
+              <a:t>12/14/2016</a:t>
             </a:fld>
             <a:endParaRPr lang="en-US" dirty="0"/>
           </a:p>
@@ -2237,7 +2238,7 @@
           <a:p>
             <a:fld id="{4D94136C-8742-45B2-AF27-D93DF72833A9}" type="datetimeFigureOut">
               <a:rPr lang="en-US" dirty="0"/>
-              <a:t>12/12/2016</a:t>
+              <a:t>12/14/2016</a:t>
             </a:fld>
             <a:endParaRPr lang="en-US" dirty="0"/>
           </a:p>
@@ -2587,7 +2588,7 @@
           <a:p>
             <a:fld id="{32ABBEA6-7C60-4B02-AE87-00D78D8422AF}" type="datetimeFigureOut">
               <a:rPr lang="en-US" dirty="0"/>
-              <a:t>12/12/2016</a:t>
+              <a:t>12/14/2016</a:t>
             </a:fld>
             <a:endParaRPr lang="en-US" dirty="0"/>
           </a:p>
@@ -2965,7 +2966,7 @@
           <a:p>
             <a:fld id="{C9CAD897-D46E-4AD2-BD9B-49DD3E640873}" type="datetimeFigureOut">
               <a:rPr lang="en-US" dirty="0"/>
-              <a:t>12/12/2016</a:t>
+              <a:t>12/14/2016</a:t>
             </a:fld>
             <a:endParaRPr lang="en-US" dirty="0"/>
           </a:p>
@@ -3247,7 +3248,7 @@
           <a:p>
             <a:fld id="{98624D31-43A5-475A-80CF-332C9F6DCF35}" type="datetimeFigureOut">
               <a:rPr lang="en-US" dirty="0"/>
-              <a:t>12/12/2016</a:t>
+              <a:t>12/14/2016</a:t>
             </a:fld>
             <a:endParaRPr lang="en-US" dirty="0"/>
           </a:p>
@@ -4387,6 +4388,85 @@
 </p:sld>
 </file>
 
+<file path=ppt/slides/slide6.xml><?xml version="1.0" encoding="utf-8"?>
+<p:sld xmlns:a="http://schemas.openxmlformats.org/drawingml/2006/main" xmlns:r="http://schemas.openxmlformats.org/officeDocument/2006/relationships" xmlns:p="http://schemas.openxmlformats.org/presentationml/2006/main">
+  <p:cSld>
+    <p:spTree>
+      <p:nvGrpSpPr>
+        <p:cNvPr id="1" name=""/>
+        <p:cNvGrpSpPr/>
+        <p:nvPr/>
+      </p:nvGrpSpPr>
+      <p:grpSpPr>
+        <a:xfrm>
+          <a:off x="0" y="0"/>
+          <a:ext cx="0" cy="0"/>
+          <a:chOff x="0" y="0"/>
+          <a:chExt cx="0" cy="0"/>
+        </a:xfrm>
+      </p:grpSpPr>
+      <p:sp>
+        <p:nvSpPr>
+          <p:cNvPr id="2" name="Titel 1"/>
+          <p:cNvSpPr>
+            <a:spLocks noGrp="1"/>
+          </p:cNvSpPr>
+          <p:nvPr>
+            <p:ph type="title"/>
+          </p:nvPr>
+        </p:nvSpPr>
+        <p:spPr/>
+        <p:txBody>
+          <a:bodyPr/>
+          <a:lstStyle/>
+          <a:p>
+            <a:r>
+              <a:rPr lang="en-GB" dirty="0"/>
+              <a:t>Improvements	</a:t>
+            </a:r>
+          </a:p>
+        </p:txBody>
+      </p:sp>
+      <p:sp>
+        <p:nvSpPr>
+          <p:cNvPr id="3" name="Inhaltsplatzhalter 2"/>
+          <p:cNvSpPr>
+            <a:spLocks noGrp="1"/>
+          </p:cNvSpPr>
+          <p:nvPr>
+            <p:ph idx="1"/>
+          </p:nvPr>
+        </p:nvSpPr>
+        <p:spPr/>
+        <p:txBody>
+          <a:bodyPr>
+            <a:normAutofit/>
+          </a:bodyPr>
+          <a:lstStyle/>
+          <a:p>
+            <a:endParaRPr lang="en-GB" sz="3200" dirty="0"/>
+          </a:p>
+          <a:p>
+            <a:r>
+              <a:rPr lang="en-GB" sz="3200" dirty="0"/>
+              <a:t>prefer higher user-types (gold, silver, bronze) for task distribution and migration</a:t>
+            </a:r>
+          </a:p>
+        </p:txBody>
+      </p:sp>
+    </p:spTree>
+    <p:extLst>
+      <p:ext uri="{BB962C8B-B14F-4D97-AF65-F5344CB8AC3E}">
+        <p14:creationId xmlns:p14="http://schemas.microsoft.com/office/powerpoint/2010/main" val="2081560788"/>
+      </p:ext>
+    </p:extLst>
+  </p:cSld>
+  <p:clrMapOvr>
+    <a:masterClrMapping/>
+  </p:clrMapOvr>
+</p:sld>
+</file>
+
 <file path=ppt/theme/theme1.xml><?xml version="1.0" encoding="utf-8"?>
 <a:theme xmlns:a="http://schemas.openxmlformats.org/drawingml/2006/main" name="Retrospect">
   <a:themeElements>
